--- a/UML Presentation.pptx
+++ b/UML Presentation.pptx
@@ -6,6 +6,11 @@
   </p:sldMasterIdLst>
   <p:sldIdLst>
     <p:sldId id="256" r:id="rId2"/>
+    <p:sldId id="257" r:id="rId3"/>
+    <p:sldId id="258" r:id="rId4"/>
+    <p:sldId id="259" r:id="rId5"/>
+    <p:sldId id="260" r:id="rId6"/>
+    <p:sldId id="261" r:id="rId7"/>
   </p:sldIdLst>
   <p:sldSz cx="9144000" cy="6858000" type="screen4x3"/>
   <p:notesSz cx="6858000" cy="9144000"/>
@@ -3124,6 +3129,425 @@
     <p:extLst>
       <p:ext uri="{BB962C8B-B14F-4D97-AF65-F5344CB8AC3E}">
         <p14:creationId xmlns:p14="http://schemas.microsoft.com/office/powerpoint/2010/main" val="4192091767"/>
+      </p:ext>
+    </p:extLst>
+  </p:cSld>
+  <p:clrMapOvr>
+    <a:masterClrMapping/>
+  </p:clrMapOvr>
+</p:sld>
+</file>
+
+<file path=ppt/slides/slide2.xml><?xml version="1.0" encoding="utf-8"?>
+<p:sld xmlns:a="http://schemas.openxmlformats.org/drawingml/2006/main" xmlns:r="http://schemas.openxmlformats.org/officeDocument/2006/relationships" xmlns:p="http://schemas.openxmlformats.org/presentationml/2006/main">
+  <p:cSld>
+    <p:spTree>
+      <p:nvGrpSpPr>
+        <p:cNvPr id="1" name=""/>
+        <p:cNvGrpSpPr/>
+        <p:nvPr/>
+      </p:nvGrpSpPr>
+      <p:grpSpPr>
+        <a:xfrm>
+          <a:off x="0" y="0"/>
+          <a:ext cx="0" cy="0"/>
+          <a:chOff x="0" y="0"/>
+          <a:chExt cx="0" cy="0"/>
+        </a:xfrm>
+      </p:grpSpPr>
+      <p:sp>
+        <p:nvSpPr>
+          <p:cNvPr id="2" name="Title 1"/>
+          <p:cNvSpPr>
+            <a:spLocks noGrp="1"/>
+          </p:cNvSpPr>
+          <p:nvPr>
+            <p:ph type="title"/>
+          </p:nvPr>
+        </p:nvSpPr>
+        <p:spPr/>
+        <p:txBody>
+          <a:bodyPr/>
+          <a:lstStyle/>
+          <a:p>
+            <a:r>
+              <a:rPr lang="en-US" dirty="0" smtClean="0"/>
+              <a:t>Client-Server Observer Pattern</a:t>
+            </a:r>
+            <a:endParaRPr lang="en-US" dirty="0"/>
+          </a:p>
+        </p:txBody>
+      </p:sp>
+      <p:pic>
+        <p:nvPicPr>
+          <p:cNvPr id="4" name="Picture 3" descr="Client-Server observer.png"/>
+          <p:cNvPicPr>
+            <a:picLocks noChangeAspect="1"/>
+          </p:cNvPicPr>
+          <p:nvPr/>
+        </p:nvPicPr>
+        <p:blipFill>
+          <a:blip r:embed="rId2">
+            <a:extLst>
+              <a:ext uri="{28A0092B-C50C-407E-A947-70E740481C1C}">
+                <a14:useLocalDpi xmlns:a14="http://schemas.microsoft.com/office/drawing/2010/main" val="0"/>
+              </a:ext>
+            </a:extLst>
+          </a:blip>
+          <a:stretch>
+            <a:fillRect/>
+          </a:stretch>
+        </p:blipFill>
+        <p:spPr>
+          <a:xfrm>
+            <a:off x="350774" y="1880870"/>
+            <a:ext cx="8378952" cy="3413760"/>
+          </a:xfrm>
+          <a:prstGeom prst="rect">
+            <a:avLst/>
+          </a:prstGeom>
+        </p:spPr>
+      </p:pic>
+    </p:spTree>
+    <p:extLst>
+      <p:ext uri="{BB962C8B-B14F-4D97-AF65-F5344CB8AC3E}">
+        <p14:creationId xmlns:p14="http://schemas.microsoft.com/office/powerpoint/2010/main" val="3227695453"/>
+      </p:ext>
+    </p:extLst>
+  </p:cSld>
+  <p:clrMapOvr>
+    <a:masterClrMapping/>
+  </p:clrMapOvr>
+</p:sld>
+</file>
+
+<file path=ppt/slides/slide3.xml><?xml version="1.0" encoding="utf-8"?>
+<p:sld xmlns:a="http://schemas.openxmlformats.org/drawingml/2006/main" xmlns:r="http://schemas.openxmlformats.org/officeDocument/2006/relationships" xmlns:p="http://schemas.openxmlformats.org/presentationml/2006/main">
+  <p:cSld>
+    <p:spTree>
+      <p:nvGrpSpPr>
+        <p:cNvPr id="1" name=""/>
+        <p:cNvGrpSpPr/>
+        <p:nvPr/>
+      </p:nvGrpSpPr>
+      <p:grpSpPr>
+        <a:xfrm>
+          <a:off x="0" y="0"/>
+          <a:ext cx="0" cy="0"/>
+          <a:chOff x="0" y="0"/>
+          <a:chExt cx="0" cy="0"/>
+        </a:xfrm>
+      </p:grpSpPr>
+      <p:sp>
+        <p:nvSpPr>
+          <p:cNvPr id="2" name="Title 1"/>
+          <p:cNvSpPr>
+            <a:spLocks noGrp="1"/>
+          </p:cNvSpPr>
+          <p:nvPr>
+            <p:ph type="title"/>
+          </p:nvPr>
+        </p:nvSpPr>
+        <p:spPr/>
+        <p:txBody>
+          <a:bodyPr/>
+          <a:lstStyle/>
+          <a:p>
+            <a:r>
+              <a:rPr lang="en-US" dirty="0" smtClean="0"/>
+              <a:t>Singleton Pattern</a:t>
+            </a:r>
+            <a:endParaRPr lang="en-US" dirty="0"/>
+          </a:p>
+        </p:txBody>
+      </p:sp>
+      <p:pic>
+        <p:nvPicPr>
+          <p:cNvPr id="4" name="Picture 3" descr="Attributes.png"/>
+          <p:cNvPicPr>
+            <a:picLocks noChangeAspect="1"/>
+          </p:cNvPicPr>
+          <p:nvPr/>
+        </p:nvPicPr>
+        <p:blipFill>
+          <a:blip r:embed="rId2">
+            <a:extLst>
+              <a:ext uri="{28A0092B-C50C-407E-A947-70E740481C1C}">
+                <a14:useLocalDpi xmlns:a14="http://schemas.microsoft.com/office/drawing/2010/main" val="0"/>
+              </a:ext>
+            </a:extLst>
+          </a:blip>
+          <a:stretch>
+            <a:fillRect/>
+          </a:stretch>
+        </p:blipFill>
+        <p:spPr>
+          <a:xfrm>
+            <a:off x="1626592" y="1532638"/>
+            <a:ext cx="6109826" cy="4785611"/>
+          </a:xfrm>
+          <a:prstGeom prst="rect">
+            <a:avLst/>
+          </a:prstGeom>
+        </p:spPr>
+      </p:pic>
+    </p:spTree>
+    <p:extLst>
+      <p:ext uri="{BB962C8B-B14F-4D97-AF65-F5344CB8AC3E}">
+        <p14:creationId xmlns:p14="http://schemas.microsoft.com/office/powerpoint/2010/main" val="939377869"/>
+      </p:ext>
+    </p:extLst>
+  </p:cSld>
+  <p:clrMapOvr>
+    <a:masterClrMapping/>
+  </p:clrMapOvr>
+</p:sld>
+</file>
+
+<file path=ppt/slides/slide4.xml><?xml version="1.0" encoding="utf-8"?>
+<p:sld xmlns:a="http://schemas.openxmlformats.org/drawingml/2006/main" xmlns:r="http://schemas.openxmlformats.org/officeDocument/2006/relationships" xmlns:p="http://schemas.openxmlformats.org/presentationml/2006/main">
+  <p:cSld>
+    <p:spTree>
+      <p:nvGrpSpPr>
+        <p:cNvPr id="1" name=""/>
+        <p:cNvGrpSpPr/>
+        <p:nvPr/>
+      </p:nvGrpSpPr>
+      <p:grpSpPr>
+        <a:xfrm>
+          <a:off x="0" y="0"/>
+          <a:ext cx="0" cy="0"/>
+          <a:chOff x="0" y="0"/>
+          <a:chExt cx="0" cy="0"/>
+        </a:xfrm>
+      </p:grpSpPr>
+      <p:sp>
+        <p:nvSpPr>
+          <p:cNvPr id="2" name="Title 1"/>
+          <p:cNvSpPr>
+            <a:spLocks noGrp="1"/>
+          </p:cNvSpPr>
+          <p:nvPr>
+            <p:ph type="title"/>
+          </p:nvPr>
+        </p:nvSpPr>
+        <p:spPr/>
+        <p:txBody>
+          <a:bodyPr>
+            <a:normAutofit/>
+          </a:bodyPr>
+          <a:lstStyle/>
+          <a:p>
+            <a:r>
+              <a:rPr lang="en-US" dirty="0" smtClean="0"/>
+              <a:t>Command Pattern (Client)</a:t>
+            </a:r>
+            <a:endParaRPr lang="en-US" dirty="0"/>
+          </a:p>
+        </p:txBody>
+      </p:sp>
+      <p:pic>
+        <p:nvPicPr>
+          <p:cNvPr id="4" name="Picture 3" descr="Packet Handlers.png"/>
+          <p:cNvPicPr>
+            <a:picLocks noChangeAspect="1"/>
+          </p:cNvPicPr>
+          <p:nvPr/>
+        </p:nvPicPr>
+        <p:blipFill>
+          <a:blip r:embed="rId2">
+            <a:extLst>
+              <a:ext uri="{28A0092B-C50C-407E-A947-70E740481C1C}">
+                <a14:useLocalDpi xmlns:a14="http://schemas.microsoft.com/office/drawing/2010/main" val="0"/>
+              </a:ext>
+            </a:extLst>
+          </a:blip>
+          <a:stretch>
+            <a:fillRect/>
+          </a:stretch>
+        </p:blipFill>
+        <p:spPr>
+          <a:xfrm>
+            <a:off x="922867" y="1756304"/>
+            <a:ext cx="7404100" cy="3759200"/>
+          </a:xfrm>
+          <a:prstGeom prst="rect">
+            <a:avLst/>
+          </a:prstGeom>
+        </p:spPr>
+      </p:pic>
+    </p:spTree>
+    <p:extLst>
+      <p:ext uri="{BB962C8B-B14F-4D97-AF65-F5344CB8AC3E}">
+        <p14:creationId xmlns:p14="http://schemas.microsoft.com/office/powerpoint/2010/main" val="4042498441"/>
+      </p:ext>
+    </p:extLst>
+  </p:cSld>
+  <p:clrMapOvr>
+    <a:masterClrMapping/>
+  </p:clrMapOvr>
+</p:sld>
+</file>
+
+<file path=ppt/slides/slide5.xml><?xml version="1.0" encoding="utf-8"?>
+<p:sld xmlns:a="http://schemas.openxmlformats.org/drawingml/2006/main" xmlns:r="http://schemas.openxmlformats.org/officeDocument/2006/relationships" xmlns:p="http://schemas.openxmlformats.org/presentationml/2006/main">
+  <p:cSld>
+    <p:spTree>
+      <p:nvGrpSpPr>
+        <p:cNvPr id="1" name=""/>
+        <p:cNvGrpSpPr/>
+        <p:nvPr/>
+      </p:nvGrpSpPr>
+      <p:grpSpPr>
+        <a:xfrm>
+          <a:off x="0" y="0"/>
+          <a:ext cx="0" cy="0"/>
+          <a:chOff x="0" y="0"/>
+          <a:chExt cx="0" cy="0"/>
+        </a:xfrm>
+      </p:grpSpPr>
+      <p:sp>
+        <p:nvSpPr>
+          <p:cNvPr id="2" name="Title 1"/>
+          <p:cNvSpPr>
+            <a:spLocks noGrp="1"/>
+          </p:cNvSpPr>
+          <p:nvPr>
+            <p:ph type="title"/>
+          </p:nvPr>
+        </p:nvSpPr>
+        <p:spPr/>
+        <p:txBody>
+          <a:bodyPr/>
+          <a:lstStyle/>
+          <a:p>
+            <a:r>
+              <a:rPr lang="en-US" dirty="0" smtClean="0"/>
+              <a:t>Command Pattern (Server)</a:t>
+            </a:r>
+            <a:endParaRPr lang="en-US" dirty="0"/>
+          </a:p>
+        </p:txBody>
+      </p:sp>
+      <p:pic>
+        <p:nvPicPr>
+          <p:cNvPr id="4" name="Picture 3" descr="ServerPacketHandlers.png"/>
+          <p:cNvPicPr>
+            <a:picLocks noChangeAspect="1"/>
+          </p:cNvPicPr>
+          <p:nvPr/>
+        </p:nvPicPr>
+        <p:blipFill>
+          <a:blip r:embed="rId2">
+            <a:extLst>
+              <a:ext uri="{28A0092B-C50C-407E-A947-70E740481C1C}">
+                <a14:useLocalDpi xmlns:a14="http://schemas.microsoft.com/office/drawing/2010/main" val="0"/>
+              </a:ext>
+            </a:extLst>
+          </a:blip>
+          <a:stretch>
+            <a:fillRect/>
+          </a:stretch>
+        </p:blipFill>
+        <p:spPr>
+          <a:xfrm>
+            <a:off x="605367" y="2299009"/>
+            <a:ext cx="7808383" cy="2368835"/>
+          </a:xfrm>
+          <a:prstGeom prst="rect">
+            <a:avLst/>
+          </a:prstGeom>
+        </p:spPr>
+      </p:pic>
+    </p:spTree>
+    <p:extLst>
+      <p:ext uri="{BB962C8B-B14F-4D97-AF65-F5344CB8AC3E}">
+        <p14:creationId xmlns:p14="http://schemas.microsoft.com/office/powerpoint/2010/main" val="3271436494"/>
+      </p:ext>
+    </p:extLst>
+  </p:cSld>
+  <p:clrMapOvr>
+    <a:masterClrMapping/>
+  </p:clrMapOvr>
+</p:sld>
+</file>
+
+<file path=ppt/slides/slide6.xml><?xml version="1.0" encoding="utf-8"?>
+<p:sld xmlns:a="http://schemas.openxmlformats.org/drawingml/2006/main" xmlns:r="http://schemas.openxmlformats.org/officeDocument/2006/relationships" xmlns:p="http://schemas.openxmlformats.org/presentationml/2006/main">
+  <p:cSld>
+    <p:spTree>
+      <p:nvGrpSpPr>
+        <p:cNvPr id="1" name=""/>
+        <p:cNvGrpSpPr/>
+        <p:nvPr/>
+      </p:nvGrpSpPr>
+      <p:grpSpPr>
+        <a:xfrm>
+          <a:off x="0" y="0"/>
+          <a:ext cx="0" cy="0"/>
+          <a:chOff x="0" y="0"/>
+          <a:chExt cx="0" cy="0"/>
+        </a:xfrm>
+      </p:grpSpPr>
+      <p:sp>
+        <p:nvSpPr>
+          <p:cNvPr id="2" name="Title 1"/>
+          <p:cNvSpPr>
+            <a:spLocks noGrp="1"/>
+          </p:cNvSpPr>
+          <p:nvPr>
+            <p:ph type="title"/>
+          </p:nvPr>
+        </p:nvSpPr>
+        <p:spPr/>
+        <p:txBody>
+          <a:bodyPr>
+            <a:normAutofit fontScale="90000"/>
+          </a:bodyPr>
+          <a:lstStyle/>
+          <a:p>
+            <a:r>
+              <a:rPr lang="en-US" dirty="0" smtClean="0"/>
+              <a:t>Singleton, Factory, Strategy, Observer</a:t>
+            </a:r>
+            <a:endParaRPr lang="en-US" dirty="0"/>
+          </a:p>
+        </p:txBody>
+      </p:sp>
+      <p:pic>
+        <p:nvPicPr>
+          <p:cNvPr id="5" name="Picture 4" descr="ServerGameMechanics.png"/>
+          <p:cNvPicPr>
+            <a:picLocks noChangeAspect="1"/>
+          </p:cNvPicPr>
+          <p:nvPr/>
+        </p:nvPicPr>
+        <p:blipFill>
+          <a:blip r:embed="rId2">
+            <a:extLst>
+              <a:ext uri="{28A0092B-C50C-407E-A947-70E740481C1C}">
+                <a14:useLocalDpi xmlns:a14="http://schemas.microsoft.com/office/drawing/2010/main" val="0"/>
+              </a:ext>
+            </a:extLst>
+          </a:blip>
+          <a:stretch>
+            <a:fillRect/>
+          </a:stretch>
+        </p:blipFill>
+        <p:spPr>
+          <a:xfrm>
+            <a:off x="1259416" y="1672167"/>
+            <a:ext cx="6685112" cy="4900082"/>
+          </a:xfrm>
+          <a:prstGeom prst="rect">
+            <a:avLst/>
+          </a:prstGeom>
+        </p:spPr>
+      </p:pic>
+    </p:spTree>
+    <p:extLst>
+      <p:ext uri="{BB962C8B-B14F-4D97-AF65-F5344CB8AC3E}">
+        <p14:creationId xmlns:p14="http://schemas.microsoft.com/office/powerpoint/2010/main" val="285499266"/>
       </p:ext>
     </p:extLst>
   </p:cSld>
